--- a/text.pptx
+++ b/text.pptx
@@ -260,7 +260,7 @@
           <a:p>
             <a:fld id="{91A61FA3-1843-480C-BFAB-9EF8081C590C}" type="datetimeFigureOut">
               <a:rPr lang="zh-CN" altLang="en-US" smtClean="0"/>
-              <a:t>2024/6/27</a:t>
+              <a:t>2024/7/12</a:t>
             </a:fld>
             <a:endParaRPr lang="zh-CN" altLang="en-US"/>
           </a:p>
@@ -458,7 +458,7 @@
           <a:p>
             <a:fld id="{91A61FA3-1843-480C-BFAB-9EF8081C590C}" type="datetimeFigureOut">
               <a:rPr lang="zh-CN" altLang="en-US" smtClean="0"/>
-              <a:t>2024/6/27</a:t>
+              <a:t>2024/7/12</a:t>
             </a:fld>
             <a:endParaRPr lang="zh-CN" altLang="en-US"/>
           </a:p>
@@ -666,7 +666,7 @@
           <a:p>
             <a:fld id="{91A61FA3-1843-480C-BFAB-9EF8081C590C}" type="datetimeFigureOut">
               <a:rPr lang="zh-CN" altLang="en-US" smtClean="0"/>
-              <a:t>2024/6/27</a:t>
+              <a:t>2024/7/12</a:t>
             </a:fld>
             <a:endParaRPr lang="zh-CN" altLang="en-US"/>
           </a:p>
@@ -864,7 +864,7 @@
           <a:p>
             <a:fld id="{91A61FA3-1843-480C-BFAB-9EF8081C590C}" type="datetimeFigureOut">
               <a:rPr lang="zh-CN" altLang="en-US" smtClean="0"/>
-              <a:t>2024/6/27</a:t>
+              <a:t>2024/7/12</a:t>
             </a:fld>
             <a:endParaRPr lang="zh-CN" altLang="en-US"/>
           </a:p>
@@ -1139,7 +1139,7 @@
           <a:p>
             <a:fld id="{91A61FA3-1843-480C-BFAB-9EF8081C590C}" type="datetimeFigureOut">
               <a:rPr lang="zh-CN" altLang="en-US" smtClean="0"/>
-              <a:t>2024/6/27</a:t>
+              <a:t>2024/7/12</a:t>
             </a:fld>
             <a:endParaRPr lang="zh-CN" altLang="en-US"/>
           </a:p>
@@ -1404,7 +1404,7 @@
           <a:p>
             <a:fld id="{91A61FA3-1843-480C-BFAB-9EF8081C590C}" type="datetimeFigureOut">
               <a:rPr lang="zh-CN" altLang="en-US" smtClean="0"/>
-              <a:t>2024/6/27</a:t>
+              <a:t>2024/7/12</a:t>
             </a:fld>
             <a:endParaRPr lang="zh-CN" altLang="en-US"/>
           </a:p>
@@ -1816,7 +1816,7 @@
           <a:p>
             <a:fld id="{91A61FA3-1843-480C-BFAB-9EF8081C590C}" type="datetimeFigureOut">
               <a:rPr lang="zh-CN" altLang="en-US" smtClean="0"/>
-              <a:t>2024/6/27</a:t>
+              <a:t>2024/7/12</a:t>
             </a:fld>
             <a:endParaRPr lang="zh-CN" altLang="en-US"/>
           </a:p>
@@ -1957,7 +1957,7 @@
           <a:p>
             <a:fld id="{91A61FA3-1843-480C-BFAB-9EF8081C590C}" type="datetimeFigureOut">
               <a:rPr lang="zh-CN" altLang="en-US" smtClean="0"/>
-              <a:t>2024/6/27</a:t>
+              <a:t>2024/7/12</a:t>
             </a:fld>
             <a:endParaRPr lang="zh-CN" altLang="en-US"/>
           </a:p>
@@ -2070,7 +2070,7 @@
           <a:p>
             <a:fld id="{91A61FA3-1843-480C-BFAB-9EF8081C590C}" type="datetimeFigureOut">
               <a:rPr lang="zh-CN" altLang="en-US" smtClean="0"/>
-              <a:t>2024/6/27</a:t>
+              <a:t>2024/7/12</a:t>
             </a:fld>
             <a:endParaRPr lang="zh-CN" altLang="en-US"/>
           </a:p>
@@ -2381,7 +2381,7 @@
           <a:p>
             <a:fld id="{91A61FA3-1843-480C-BFAB-9EF8081C590C}" type="datetimeFigureOut">
               <a:rPr lang="zh-CN" altLang="en-US" smtClean="0"/>
-              <a:t>2024/6/27</a:t>
+              <a:t>2024/7/12</a:t>
             </a:fld>
             <a:endParaRPr lang="zh-CN" altLang="en-US"/>
           </a:p>
@@ -2669,7 +2669,7 @@
           <a:p>
             <a:fld id="{91A61FA3-1843-480C-BFAB-9EF8081C590C}" type="datetimeFigureOut">
               <a:rPr lang="zh-CN" altLang="en-US" smtClean="0"/>
-              <a:t>2024/6/27</a:t>
+              <a:t>2024/7/12</a:t>
             </a:fld>
             <a:endParaRPr lang="zh-CN" altLang="en-US"/>
           </a:p>
@@ -2910,7 +2910,7 @@
           <a:p>
             <a:fld id="{91A61FA3-1843-480C-BFAB-9EF8081C590C}" type="datetimeFigureOut">
               <a:rPr lang="zh-CN" altLang="en-US" smtClean="0"/>
-              <a:t>2024/6/27</a:t>
+              <a:t>2024/7/12</a:t>
             </a:fld>
             <a:endParaRPr lang="zh-CN" altLang="en-US"/>
           </a:p>
@@ -3327,58 +3327,22 @@
           <a:chExt cx="0" cy="0"/>
         </a:xfrm>
       </p:grpSpPr>
-      <p:pic>
-        <p:nvPicPr>
-          <p:cNvPr id="5" name="图片 4">
-            <a:extLst>
-              <a:ext uri="{FF2B5EF4-FFF2-40B4-BE49-F238E27FC236}">
-                <a16:creationId xmlns:a16="http://schemas.microsoft.com/office/drawing/2014/main" id="{85F8CEAD-612F-31D1-8692-795F1770AD96}"/>
-              </a:ext>
-            </a:extLst>
-          </p:cNvPr>
-          <p:cNvPicPr>
-            <a:picLocks noChangeAspect="1"/>
-          </p:cNvPicPr>
+      <p:sp>
+        <p:nvSpPr>
+          <p:cNvPr id="6" name="文本框 5">
+            <a:extLst>
+              <a:ext uri="{FF2B5EF4-FFF2-40B4-BE49-F238E27FC236}">
+                <a16:creationId xmlns:a16="http://schemas.microsoft.com/office/drawing/2014/main" id="{989831DE-9927-D5AF-7F07-D8D371053081}"/>
+              </a:ext>
+            </a:extLst>
+          </p:cNvPr>
+          <p:cNvSpPr txBox="1"/>
           <p:nvPr/>
-        </p:nvPicPr>
-        <p:blipFill>
-          <a:blip r:embed="rId2">
-            <a:extLst>
-              <a:ext uri="{28A0092B-C50C-407E-A947-70E740481C1C}">
-                <a14:useLocalDpi xmlns:a14="http://schemas.microsoft.com/office/drawing/2010/main" val="0"/>
-              </a:ext>
-            </a:extLst>
-          </a:blip>
-          <a:stretch>
-            <a:fillRect/>
-          </a:stretch>
-        </p:blipFill>
+        </p:nvSpPr>
         <p:spPr>
           <a:xfrm>
-            <a:off x="1305465" y="2817962"/>
-            <a:ext cx="1222075" cy="1222075"/>
-          </a:xfrm>
-          <a:prstGeom prst="rect">
-            <a:avLst/>
-          </a:prstGeom>
-        </p:spPr>
-      </p:pic>
-      <p:sp>
-        <p:nvSpPr>
-          <p:cNvPr id="6" name="文本框 5">
-            <a:extLst>
-              <a:ext uri="{FF2B5EF4-FFF2-40B4-BE49-F238E27FC236}">
-                <a16:creationId xmlns:a16="http://schemas.microsoft.com/office/drawing/2014/main" id="{989831DE-9927-D5AF-7F07-D8D371053081}"/>
-              </a:ext>
-            </a:extLst>
-          </p:cNvPr>
-          <p:cNvSpPr txBox="1"/>
-          <p:nvPr/>
-        </p:nvSpPr>
-        <p:spPr>
-          <a:xfrm>
-            <a:off x="2527540" y="3075056"/>
-            <a:ext cx="7410091" cy="707886"/>
+            <a:off x="2199736" y="3075057"/>
+            <a:ext cx="9598324" cy="707886"/>
           </a:xfrm>
           <a:prstGeom prst="rect">
             <a:avLst/>
@@ -3396,7 +3360,7 @@
                 <a:latin typeface="仿宋" panose="02010609060101010101" pitchFamily="49" charset="-122"/>
                 <a:ea typeface="仿宋" panose="02010609060101010101" pitchFamily="49" charset="-122"/>
               </a:rPr>
-              <a:t>杭州市拱墅区心巢公益发展中心</a:t>
+              <a:t>杭州市萧山区求是鹰社会工作发展中心</a:t>
             </a:r>
           </a:p>
         </p:txBody>
